--- a/Patterns/docs/Facade.pptx
+++ b/Patterns/docs/Facade.pptx
@@ -5,13 +5,18 @@
     <p:sldMasterId id="2147483648" r:id="rId1"/>
   </p:sldMasterIdLst>
   <p:notesMasterIdLst>
-    <p:notesMasterId r:id="rId6"/>
+    <p:notesMasterId r:id="rId11"/>
   </p:notesMasterIdLst>
   <p:sldIdLst>
     <p:sldId id="256" r:id="rId2"/>
     <p:sldId id="257" r:id="rId3"/>
     <p:sldId id="258" r:id="rId4"/>
     <p:sldId id="259" r:id="rId5"/>
+    <p:sldId id="262" r:id="rId6"/>
+    <p:sldId id="260" r:id="rId7"/>
+    <p:sldId id="261" r:id="rId8"/>
+    <p:sldId id="263" r:id="rId9"/>
+    <p:sldId id="264" r:id="rId10"/>
   </p:sldIdLst>
   <p:sldSz cx="12192000" cy="6858000"/>
   <p:notesSz cx="6858000" cy="9144000"/>
@@ -110,6 +115,11 @@
       </a:defRPr>
     </a:lvl9pPr>
   </p:defaultTextStyle>
+  <p:extLst>
+    <p:ext uri="{EFAFB233-063F-42B5-8137-9DF3F51BA10A}">
+      <p15:sldGuideLst xmlns:p15="http://schemas.microsoft.com/office/powerpoint/2012/main"/>
+    </p:ext>
+  </p:extLst>
 </p:presentation>
 </file>
 
@@ -195,7 +205,7 @@
           <a:p>
             <a:fld id="{F02D2E7B-B52B-4979-82AE-E357F04E96F9}" type="datetimeFigureOut">
               <a:rPr lang="en-GB" smtClean="0"/>
-              <a:t>16/09/2014</a:t>
+              <a:t>22/09/2014</a:t>
             </a:fld>
             <a:endParaRPr lang="en-GB" dirty="0"/>
           </a:p>
@@ -776,7 +786,7 @@
           <a:p>
             <a:fld id="{56C65E69-9EFD-4E18-8D5F-41A51FB61A29}" type="datetimeFigureOut">
               <a:rPr lang="en-GB" smtClean="0"/>
-              <a:t>16/09/2014</a:t>
+              <a:t>22/09/2014</a:t>
             </a:fld>
             <a:endParaRPr lang="en-GB" dirty="0"/>
           </a:p>
@@ -946,7 +956,7 @@
           <a:p>
             <a:fld id="{56C65E69-9EFD-4E18-8D5F-41A51FB61A29}" type="datetimeFigureOut">
               <a:rPr lang="en-GB" smtClean="0"/>
-              <a:t>16/09/2014</a:t>
+              <a:t>22/09/2014</a:t>
             </a:fld>
             <a:endParaRPr lang="en-GB" dirty="0"/>
           </a:p>
@@ -1126,7 +1136,7 @@
           <a:p>
             <a:fld id="{56C65E69-9EFD-4E18-8D5F-41A51FB61A29}" type="datetimeFigureOut">
               <a:rPr lang="en-GB" smtClean="0"/>
-              <a:t>16/09/2014</a:t>
+              <a:t>22/09/2014</a:t>
             </a:fld>
             <a:endParaRPr lang="en-GB" dirty="0"/>
           </a:p>
@@ -1296,7 +1306,7 @@
           <a:p>
             <a:fld id="{56C65E69-9EFD-4E18-8D5F-41A51FB61A29}" type="datetimeFigureOut">
               <a:rPr lang="en-GB" smtClean="0"/>
-              <a:t>16/09/2014</a:t>
+              <a:t>22/09/2014</a:t>
             </a:fld>
             <a:endParaRPr lang="en-GB" dirty="0"/>
           </a:p>
@@ -1542,7 +1552,7 @@
           <a:p>
             <a:fld id="{56C65E69-9EFD-4E18-8D5F-41A51FB61A29}" type="datetimeFigureOut">
               <a:rPr lang="en-GB" smtClean="0"/>
-              <a:t>16/09/2014</a:t>
+              <a:t>22/09/2014</a:t>
             </a:fld>
             <a:endParaRPr lang="en-GB" dirty="0"/>
           </a:p>
@@ -1774,7 +1784,7 @@
           <a:p>
             <a:fld id="{56C65E69-9EFD-4E18-8D5F-41A51FB61A29}" type="datetimeFigureOut">
               <a:rPr lang="en-GB" smtClean="0"/>
-              <a:t>16/09/2014</a:t>
+              <a:t>22/09/2014</a:t>
             </a:fld>
             <a:endParaRPr lang="en-GB" dirty="0"/>
           </a:p>
@@ -2141,7 +2151,7 @@
           <a:p>
             <a:fld id="{56C65E69-9EFD-4E18-8D5F-41A51FB61A29}" type="datetimeFigureOut">
               <a:rPr lang="en-GB" smtClean="0"/>
-              <a:t>16/09/2014</a:t>
+              <a:t>22/09/2014</a:t>
             </a:fld>
             <a:endParaRPr lang="en-GB" dirty="0"/>
           </a:p>
@@ -2259,7 +2269,7 @@
           <a:p>
             <a:fld id="{56C65E69-9EFD-4E18-8D5F-41A51FB61A29}" type="datetimeFigureOut">
               <a:rPr lang="en-GB" smtClean="0"/>
-              <a:t>16/09/2014</a:t>
+              <a:t>22/09/2014</a:t>
             </a:fld>
             <a:endParaRPr lang="en-GB" dirty="0"/>
           </a:p>
@@ -2354,7 +2364,7 @@
           <a:p>
             <a:fld id="{56C65E69-9EFD-4E18-8D5F-41A51FB61A29}" type="datetimeFigureOut">
               <a:rPr lang="en-GB" smtClean="0"/>
-              <a:t>16/09/2014</a:t>
+              <a:t>22/09/2014</a:t>
             </a:fld>
             <a:endParaRPr lang="en-GB" dirty="0"/>
           </a:p>
@@ -2631,7 +2641,7 @@
           <a:p>
             <a:fld id="{56C65E69-9EFD-4E18-8D5F-41A51FB61A29}" type="datetimeFigureOut">
               <a:rPr lang="en-GB" smtClean="0"/>
-              <a:t>16/09/2014</a:t>
+              <a:t>22/09/2014</a:t>
             </a:fld>
             <a:endParaRPr lang="en-GB" dirty="0"/>
           </a:p>
@@ -2884,7 +2894,7 @@
           <a:p>
             <a:fld id="{56C65E69-9EFD-4E18-8D5F-41A51FB61A29}" type="datetimeFigureOut">
               <a:rPr lang="en-GB" smtClean="0"/>
-              <a:t>16/09/2014</a:t>
+              <a:t>22/09/2014</a:t>
             </a:fld>
             <a:endParaRPr lang="en-GB" dirty="0"/>
           </a:p>
@@ -3097,7 +3107,7 @@
           <a:p>
             <a:fld id="{56C65E69-9EFD-4E18-8D5F-41A51FB61A29}" type="datetimeFigureOut">
               <a:rPr lang="en-GB" smtClean="0"/>
-              <a:t>16/09/2014</a:t>
+              <a:t>22/09/2014</a:t>
             </a:fld>
             <a:endParaRPr lang="en-GB" dirty="0"/>
           </a:p>
@@ -3637,11 +3647,7 @@
           <a:p>
             <a:r>
               <a:rPr lang="en-GB" dirty="0" smtClean="0"/>
-              <a:t>Problem: Home </a:t>
-            </a:r>
-            <a:r>
-              <a:rPr lang="en-GB" dirty="0" smtClean="0"/>
-              <a:t>Theater</a:t>
+              <a:t>Problem: Home Theater</a:t>
             </a:r>
             <a:endParaRPr lang="en-GB" dirty="0"/>
           </a:p>
@@ -3724,7 +3730,15 @@
           <a:p>
             <a:r>
               <a:rPr lang="en-GB" dirty="0" smtClean="0"/>
-              <a:t>Watching a movie (the hard way)</a:t>
+              <a:t>Watching a </a:t>
+            </a:r>
+            <a:r>
+              <a:rPr lang="en-GB" dirty="0" smtClean="0"/>
+              <a:t>film (the </a:t>
+            </a:r>
+            <a:r>
+              <a:rPr lang="en-GB" dirty="0" smtClean="0"/>
+              <a:t>hard way)</a:t>
             </a:r>
             <a:endParaRPr lang="en-GB" dirty="0"/>
           </a:p>
@@ -3761,31 +3775,7 @@
                 </a:highlight>
                 <a:latin typeface="Consolas" panose="020B0609020204030204" pitchFamily="49" charset="0"/>
               </a:rPr>
-              <a:t>    </a:t>
-            </a:r>
-            <a:r>
-              <a:rPr lang="en-US" dirty="0" smtClean="0">
-                <a:solidFill>
-                  <a:srgbClr val="000000"/>
-                </a:solidFill>
-                <a:highlight>
-                  <a:srgbClr val="FFFFFF"/>
-                </a:highlight>
-                <a:latin typeface="Consolas" panose="020B0609020204030204" pitchFamily="49" charset="0"/>
-              </a:rPr>
-              <a:t>popper.on</a:t>
-            </a:r>
-            <a:r>
-              <a:rPr lang="en-US" dirty="0" smtClean="0">
-                <a:solidFill>
-                  <a:srgbClr val="000000"/>
-                </a:solidFill>
-                <a:highlight>
-                  <a:srgbClr val="FFFFFF"/>
-                </a:highlight>
-                <a:latin typeface="Consolas" panose="020B0609020204030204" pitchFamily="49" charset="0"/>
-              </a:rPr>
-              <a:t>();  </a:t>
+              <a:t>    popper.on();  </a:t>
             </a:r>
             <a:r>
               <a:rPr lang="en-US" dirty="0" smtClean="0">
@@ -3820,31 +3810,7 @@
                 </a:highlight>
                 <a:latin typeface="Consolas" panose="020B0609020204030204" pitchFamily="49" charset="0"/>
               </a:rPr>
-              <a:t>    </a:t>
-            </a:r>
-            <a:r>
-              <a:rPr lang="en-GB" dirty="0" smtClean="0">
-                <a:solidFill>
-                  <a:srgbClr val="000000"/>
-                </a:solidFill>
-                <a:highlight>
-                  <a:srgbClr val="FFFFFF"/>
-                </a:highlight>
-                <a:latin typeface="Consolas" panose="020B0609020204030204" pitchFamily="49" charset="0"/>
-              </a:rPr>
-              <a:t>popper.pop</a:t>
-            </a:r>
-            <a:r>
-              <a:rPr lang="en-GB" dirty="0" smtClean="0">
-                <a:solidFill>
-                  <a:srgbClr val="000000"/>
-                </a:solidFill>
-                <a:highlight>
-                  <a:srgbClr val="FFFFFF"/>
-                </a:highlight>
-                <a:latin typeface="Consolas" panose="020B0609020204030204" pitchFamily="49" charset="0"/>
-              </a:rPr>
-              <a:t>(); </a:t>
+              <a:t>    popper.pop(); </a:t>
             </a:r>
             <a:r>
               <a:rPr lang="en-GB" dirty="0" smtClean="0">
@@ -3890,31 +3856,7 @@
                 </a:highlight>
                 <a:latin typeface="Consolas" panose="020B0609020204030204" pitchFamily="49" charset="0"/>
               </a:rPr>
-              <a:t>    </a:t>
-            </a:r>
-            <a:r>
-              <a:rPr lang="en-US" dirty="0" smtClean="0">
-                <a:solidFill>
-                  <a:srgbClr val="000000"/>
-                </a:solidFill>
-                <a:highlight>
-                  <a:srgbClr val="FFFFFF"/>
-                </a:highlight>
-                <a:latin typeface="Consolas" panose="020B0609020204030204" pitchFamily="49" charset="0"/>
-              </a:rPr>
-              <a:t>lights.dim</a:t>
-            </a:r>
-            <a:r>
-              <a:rPr lang="en-US" dirty="0" smtClean="0">
-                <a:solidFill>
-                  <a:srgbClr val="000000"/>
-                </a:solidFill>
-                <a:highlight>
-                  <a:srgbClr val="FFFFFF"/>
-                </a:highlight>
-                <a:latin typeface="Consolas" panose="020B0609020204030204" pitchFamily="49" charset="0"/>
-              </a:rPr>
-              <a:t>(10); </a:t>
+              <a:t>    lights.dim(10); </a:t>
             </a:r>
             <a:r>
               <a:rPr lang="en-US" dirty="0" smtClean="0">
@@ -3963,31 +3905,7 @@
                 </a:highlight>
                 <a:latin typeface="Consolas" panose="020B0609020204030204" pitchFamily="49" charset="0"/>
               </a:rPr>
-              <a:t>    </a:t>
-            </a:r>
-            <a:r>
-              <a:rPr lang="en-US" dirty="0" smtClean="0">
-                <a:solidFill>
-                  <a:srgbClr val="000000"/>
-                </a:solidFill>
-                <a:highlight>
-                  <a:srgbClr val="FFFFFF"/>
-                </a:highlight>
-                <a:latin typeface="Consolas" panose="020B0609020204030204" pitchFamily="49" charset="0"/>
-              </a:rPr>
-              <a:t>screen.down</a:t>
-            </a:r>
-            <a:r>
-              <a:rPr lang="en-US" dirty="0" smtClean="0">
-                <a:solidFill>
-                  <a:srgbClr val="000000"/>
-                </a:solidFill>
-                <a:highlight>
-                  <a:srgbClr val="FFFFFF"/>
-                </a:highlight>
-                <a:latin typeface="Consolas" panose="020B0609020204030204" pitchFamily="49" charset="0"/>
-              </a:rPr>
-              <a:t>();  </a:t>
+              <a:t>    screen.down();  </a:t>
             </a:r>
             <a:r>
               <a:rPr lang="en-US" dirty="0" smtClean="0">
@@ -4033,31 +3951,7 @@
                 </a:highlight>
                 <a:latin typeface="Consolas" panose="020B0609020204030204" pitchFamily="49" charset="0"/>
               </a:rPr>
-              <a:t>    </a:t>
-            </a:r>
-            <a:r>
-              <a:rPr lang="en-US" dirty="0" smtClean="0">
-                <a:solidFill>
-                  <a:srgbClr val="000000"/>
-                </a:solidFill>
-                <a:highlight>
-                  <a:srgbClr val="FFFFFF"/>
-                </a:highlight>
-                <a:latin typeface="Consolas" panose="020B0609020204030204" pitchFamily="49" charset="0"/>
-              </a:rPr>
-              <a:t>projector.on</a:t>
-            </a:r>
-            <a:r>
-              <a:rPr lang="en-US" dirty="0" smtClean="0">
-                <a:solidFill>
-                  <a:srgbClr val="000000"/>
-                </a:solidFill>
-                <a:highlight>
-                  <a:srgbClr val="FFFFFF"/>
-                </a:highlight>
-                <a:latin typeface="Consolas" panose="020B0609020204030204" pitchFamily="49" charset="0"/>
-              </a:rPr>
-              <a:t>();             </a:t>
+              <a:t>    projector.on();             </a:t>
             </a:r>
             <a:r>
               <a:rPr lang="en-US" dirty="0" smtClean="0">
@@ -4092,55 +3986,7 @@
                 </a:highlight>
                 <a:latin typeface="Consolas" panose="020B0609020204030204" pitchFamily="49" charset="0"/>
               </a:rPr>
-              <a:t>    </a:t>
-            </a:r>
-            <a:r>
-              <a:rPr lang="en-US" dirty="0" smtClean="0">
-                <a:solidFill>
-                  <a:srgbClr val="000000"/>
-                </a:solidFill>
-                <a:highlight>
-                  <a:srgbClr val="FFFFFF"/>
-                </a:highlight>
-                <a:latin typeface="Consolas" panose="020B0609020204030204" pitchFamily="49" charset="0"/>
-              </a:rPr>
-              <a:t>projector.setInput</a:t>
-            </a:r>
-            <a:r>
-              <a:rPr lang="en-US" dirty="0" smtClean="0">
-                <a:solidFill>
-                  <a:srgbClr val="000000"/>
-                </a:solidFill>
-                <a:highlight>
-                  <a:srgbClr val="FFFFFF"/>
-                </a:highlight>
-                <a:latin typeface="Consolas" panose="020B0609020204030204" pitchFamily="49" charset="0"/>
-              </a:rPr>
-              <a:t>(&amp;</a:t>
-            </a:r>
-            <a:r>
-              <a:rPr lang="en-US" dirty="0" smtClean="0">
-                <a:solidFill>
-                  <a:srgbClr val="000000"/>
-                </a:solidFill>
-                <a:highlight>
-                  <a:srgbClr val="FFFFFF"/>
-                </a:highlight>
-                <a:latin typeface="Consolas" panose="020B0609020204030204" pitchFamily="49" charset="0"/>
-              </a:rPr>
-              <a:t>dvd</a:t>
-            </a:r>
-            <a:r>
-              <a:rPr lang="en-US" dirty="0" smtClean="0">
-                <a:solidFill>
-                  <a:srgbClr val="000000"/>
-                </a:solidFill>
-                <a:highlight>
-                  <a:srgbClr val="FFFFFF"/>
-                </a:highlight>
-                <a:latin typeface="Consolas" panose="020B0609020204030204" pitchFamily="49" charset="0"/>
-              </a:rPr>
-              <a:t>);   </a:t>
+              <a:t>    projector.setInput(&amp;dvd);   </a:t>
             </a:r>
             <a:r>
               <a:rPr lang="en-US" dirty="0" smtClean="0">
@@ -4175,31 +4021,7 @@
                 </a:highlight>
                 <a:latin typeface="Consolas" panose="020B0609020204030204" pitchFamily="49" charset="0"/>
               </a:rPr>
-              <a:t>    </a:t>
-            </a:r>
-            <a:r>
-              <a:rPr lang="en-US" dirty="0" smtClean="0">
-                <a:solidFill>
-                  <a:srgbClr val="000000"/>
-                </a:solidFill>
-                <a:highlight>
-                  <a:srgbClr val="FFFFFF"/>
-                </a:highlight>
-                <a:latin typeface="Consolas" panose="020B0609020204030204" pitchFamily="49" charset="0"/>
-              </a:rPr>
-              <a:t>projector.wideScreenMode</a:t>
-            </a:r>
-            <a:r>
-              <a:rPr lang="en-US" dirty="0" smtClean="0">
-                <a:solidFill>
-                  <a:srgbClr val="000000"/>
-                </a:solidFill>
-                <a:highlight>
-                  <a:srgbClr val="FFFFFF"/>
-                </a:highlight>
-                <a:latin typeface="Consolas" panose="020B0609020204030204" pitchFamily="49" charset="0"/>
-              </a:rPr>
-              <a:t>(); </a:t>
+              <a:t>    projector.wideScreenMode(); </a:t>
             </a:r>
             <a:r>
               <a:rPr lang="en-US" dirty="0" smtClean="0">
@@ -4245,31 +4067,7 @@
                 </a:highlight>
                 <a:latin typeface="Consolas" panose="020B0609020204030204" pitchFamily="49" charset="0"/>
               </a:rPr>
-              <a:t>    </a:t>
-            </a:r>
-            <a:r>
-              <a:rPr lang="en-US" dirty="0" smtClean="0">
-                <a:solidFill>
-                  <a:srgbClr val="000000"/>
-                </a:solidFill>
-                <a:highlight>
-                  <a:srgbClr val="FFFFFF"/>
-                </a:highlight>
-                <a:latin typeface="Consolas" panose="020B0609020204030204" pitchFamily="49" charset="0"/>
-              </a:rPr>
-              <a:t>amp.on</a:t>
-            </a:r>
-            <a:r>
-              <a:rPr lang="en-US" dirty="0" smtClean="0">
-                <a:solidFill>
-                  <a:srgbClr val="000000"/>
-                </a:solidFill>
-                <a:highlight>
-                  <a:srgbClr val="FFFFFF"/>
-                </a:highlight>
-                <a:latin typeface="Consolas" panose="020B0609020204030204" pitchFamily="49" charset="0"/>
-              </a:rPr>
-              <a:t>();                </a:t>
+              <a:t>    amp.on();                </a:t>
             </a:r>
             <a:r>
               <a:rPr lang="en-US" dirty="0" smtClean="0">
@@ -4304,55 +4102,7 @@
                 </a:highlight>
                 <a:latin typeface="Consolas" panose="020B0609020204030204" pitchFamily="49" charset="0"/>
               </a:rPr>
-              <a:t>    </a:t>
-            </a:r>
-            <a:r>
-              <a:rPr lang="en-US" dirty="0" smtClean="0">
-                <a:solidFill>
-                  <a:srgbClr val="000000"/>
-                </a:solidFill>
-                <a:highlight>
-                  <a:srgbClr val="FFFFFF"/>
-                </a:highlight>
-                <a:latin typeface="Consolas" panose="020B0609020204030204" pitchFamily="49" charset="0"/>
-              </a:rPr>
-              <a:t>amp.setInput</a:t>
-            </a:r>
-            <a:r>
-              <a:rPr lang="en-US" dirty="0" smtClean="0">
-                <a:solidFill>
-                  <a:srgbClr val="000000"/>
-                </a:solidFill>
-                <a:highlight>
-                  <a:srgbClr val="FFFFFF"/>
-                </a:highlight>
-                <a:latin typeface="Consolas" panose="020B0609020204030204" pitchFamily="49" charset="0"/>
-              </a:rPr>
-              <a:t>(&amp;</a:t>
-            </a:r>
-            <a:r>
-              <a:rPr lang="en-US" dirty="0" smtClean="0">
-                <a:solidFill>
-                  <a:srgbClr val="000000"/>
-                </a:solidFill>
-                <a:highlight>
-                  <a:srgbClr val="FFFFFF"/>
-                </a:highlight>
-                <a:latin typeface="Consolas" panose="020B0609020204030204" pitchFamily="49" charset="0"/>
-              </a:rPr>
-              <a:t>dvd</a:t>
-            </a:r>
-            <a:r>
-              <a:rPr lang="en-US" dirty="0" smtClean="0">
-                <a:solidFill>
-                  <a:srgbClr val="000000"/>
-                </a:solidFill>
-                <a:highlight>
-                  <a:srgbClr val="FFFFFF"/>
-                </a:highlight>
-                <a:latin typeface="Consolas" panose="020B0609020204030204" pitchFamily="49" charset="0"/>
-              </a:rPr>
-              <a:t>);      </a:t>
+              <a:t>    amp.setInput(&amp;dvd);      </a:t>
             </a:r>
             <a:r>
               <a:rPr lang="en-US" dirty="0" smtClean="0">
@@ -4387,31 +4137,7 @@
                 </a:highlight>
                 <a:latin typeface="Consolas" panose="020B0609020204030204" pitchFamily="49" charset="0"/>
               </a:rPr>
-              <a:t>    </a:t>
-            </a:r>
-            <a:r>
-              <a:rPr lang="en-US" dirty="0" smtClean="0">
-                <a:solidFill>
-                  <a:srgbClr val="000000"/>
-                </a:solidFill>
-                <a:highlight>
-                  <a:srgbClr val="FFFFFF"/>
-                </a:highlight>
-                <a:latin typeface="Consolas" panose="020B0609020204030204" pitchFamily="49" charset="0"/>
-              </a:rPr>
-              <a:t>amp.setSurroundSound</a:t>
-            </a:r>
-            <a:r>
-              <a:rPr lang="en-US" dirty="0" smtClean="0">
-                <a:solidFill>
-                  <a:srgbClr val="000000"/>
-                </a:solidFill>
-                <a:highlight>
-                  <a:srgbClr val="FFFFFF"/>
-                </a:highlight>
-                <a:latin typeface="Consolas" panose="020B0609020204030204" pitchFamily="49" charset="0"/>
-              </a:rPr>
-              <a:t>();  </a:t>
+              <a:t>    amp.setSurroundSound();  </a:t>
             </a:r>
             <a:r>
               <a:rPr lang="en-US" dirty="0" smtClean="0">
@@ -4446,31 +4172,7 @@
                 </a:highlight>
                 <a:latin typeface="Consolas" panose="020B0609020204030204" pitchFamily="49" charset="0"/>
               </a:rPr>
-              <a:t>    </a:t>
-            </a:r>
-            <a:r>
-              <a:rPr lang="en-US" dirty="0" smtClean="0">
-                <a:solidFill>
-                  <a:srgbClr val="000000"/>
-                </a:solidFill>
-                <a:highlight>
-                  <a:srgbClr val="FFFFFF"/>
-                </a:highlight>
-                <a:latin typeface="Consolas" panose="020B0609020204030204" pitchFamily="49" charset="0"/>
-              </a:rPr>
-              <a:t>amp.setVolume</a:t>
-            </a:r>
-            <a:r>
-              <a:rPr lang="en-US" dirty="0" smtClean="0">
-                <a:solidFill>
-                  <a:srgbClr val="000000"/>
-                </a:solidFill>
-                <a:highlight>
-                  <a:srgbClr val="FFFFFF"/>
-                </a:highlight>
-                <a:latin typeface="Consolas" panose="020B0609020204030204" pitchFamily="49" charset="0"/>
-              </a:rPr>
-              <a:t>(11);       </a:t>
+              <a:t>    amp.setVolume(11);       </a:t>
             </a:r>
             <a:r>
               <a:rPr lang="en-US" dirty="0" smtClean="0">
@@ -4516,31 +4218,7 @@
                 </a:highlight>
                 <a:latin typeface="Consolas" panose="020B0609020204030204" pitchFamily="49" charset="0"/>
               </a:rPr>
-              <a:t>    </a:t>
-            </a:r>
-            <a:r>
-              <a:rPr lang="en-US" dirty="0" smtClean="0">
-                <a:solidFill>
-                  <a:srgbClr val="000000"/>
-                </a:solidFill>
-                <a:highlight>
-                  <a:srgbClr val="FFFFFF"/>
-                </a:highlight>
-                <a:latin typeface="Consolas" panose="020B0609020204030204" pitchFamily="49" charset="0"/>
-              </a:rPr>
-              <a:t>dvd.on</a:t>
-            </a:r>
-            <a:r>
-              <a:rPr lang="en-US" dirty="0" smtClean="0">
-                <a:solidFill>
-                  <a:srgbClr val="000000"/>
-                </a:solidFill>
-                <a:highlight>
-                  <a:srgbClr val="FFFFFF"/>
-                </a:highlight>
-                <a:latin typeface="Consolas" panose="020B0609020204030204" pitchFamily="49" charset="0"/>
-              </a:rPr>
-              <a:t>();                            </a:t>
+              <a:t>    dvd.on();                            </a:t>
             </a:r>
             <a:r>
               <a:rPr lang="en-US" dirty="0" smtClean="0">
@@ -4575,31 +4253,7 @@
                 </a:highlight>
                 <a:latin typeface="Consolas" panose="020B0609020204030204" pitchFamily="49" charset="0"/>
               </a:rPr>
-              <a:t>    </a:t>
-            </a:r>
-            <a:r>
-              <a:rPr lang="en-US" dirty="0" smtClean="0">
-                <a:solidFill>
-                  <a:srgbClr val="000000"/>
-                </a:solidFill>
-                <a:highlight>
-                  <a:srgbClr val="FFFFFF"/>
-                </a:highlight>
-                <a:latin typeface="Consolas" panose="020B0609020204030204" pitchFamily="49" charset="0"/>
-              </a:rPr>
-              <a:t>dvd.play</a:t>
-            </a:r>
-            <a:r>
-              <a:rPr lang="en-US" dirty="0" smtClean="0">
-                <a:solidFill>
-                  <a:srgbClr val="000000"/>
-                </a:solidFill>
-                <a:highlight>
-                  <a:srgbClr val="FFFFFF"/>
-                </a:highlight>
-                <a:latin typeface="Consolas" panose="020B0609020204030204" pitchFamily="49" charset="0"/>
-              </a:rPr>
-              <a:t>(</a:t>
+              <a:t>    dvd.play(</a:t>
             </a:r>
             <a:r>
               <a:rPr lang="en-US" dirty="0" smtClean="0">
@@ -4713,29 +4367,716 @@
           </a:p>
         </p:txBody>
       </p:sp>
-      <p:sp>
-        <p:nvSpPr>
-          <p:cNvPr id="3" name="Content Placeholder 2"/>
-          <p:cNvSpPr>
-            <a:spLocks noGrp="1"/>
-          </p:cNvSpPr>
-          <p:nvPr>
-            <p:ph idx="1"/>
-          </p:nvPr>
-        </p:nvSpPr>
-        <p:spPr/>
-        <p:txBody>
-          <a:bodyPr/>
-          <a:lstStyle/>
-          <a:p>
-            <a:endParaRPr lang="en-GB" dirty="0"/>
-          </a:p>
-        </p:txBody>
-      </p:sp>
+      <p:pic>
+        <p:nvPicPr>
+          <p:cNvPr id="4" name="Picture 3"/>
+          <p:cNvPicPr>
+            <a:picLocks noChangeAspect="1"/>
+          </p:cNvPicPr>
+          <p:nvPr/>
+        </p:nvPicPr>
+        <p:blipFill>
+          <a:blip r:embed="rId2">
+            <a:extLst>
+              <a:ext uri="{28A0092B-C50C-407E-A947-70E740481C1C}">
+                <a14:useLocalDpi xmlns:a14="http://schemas.microsoft.com/office/drawing/2010/main" val="0"/>
+              </a:ext>
+            </a:extLst>
+          </a:blip>
+          <a:stretch>
+            <a:fillRect/>
+          </a:stretch>
+        </p:blipFill>
+        <p:spPr>
+          <a:xfrm>
+            <a:off x="2909443" y="509180"/>
+            <a:ext cx="6373114" cy="5839640"/>
+          </a:xfrm>
+          <a:prstGeom prst="rect">
+            <a:avLst/>
+          </a:prstGeom>
+        </p:spPr>
+      </p:pic>
     </p:spTree>
     <p:extLst>
       <p:ext uri="{BB962C8B-B14F-4D97-AF65-F5344CB8AC3E}">
         <p14:creationId xmlns:p14="http://schemas.microsoft.com/office/powerpoint/2010/main" val="2944883631"/>
+      </p:ext>
+    </p:extLst>
+  </p:cSld>
+  <p:clrMapOvr>
+    <a:masterClrMapping/>
+  </p:clrMapOvr>
+</p:sld>
+</file>
+
+<file path=ppt/slides/slide5.xml><?xml version="1.0" encoding="utf-8"?>
+<p:sld xmlns:a="http://schemas.openxmlformats.org/drawingml/2006/main" xmlns:r="http://schemas.openxmlformats.org/officeDocument/2006/relationships" xmlns:p="http://schemas.openxmlformats.org/presentationml/2006/main">
+  <p:cSld>
+    <p:spTree>
+      <p:nvGrpSpPr>
+        <p:cNvPr id="1" name=""/>
+        <p:cNvGrpSpPr/>
+        <p:nvPr/>
+      </p:nvGrpSpPr>
+      <p:grpSpPr>
+        <a:xfrm>
+          <a:off x="0" y="0"/>
+          <a:ext cx="0" cy="0"/>
+          <a:chOff x="0" y="0"/>
+          <a:chExt cx="0" cy="0"/>
+        </a:xfrm>
+      </p:grpSpPr>
+      <p:sp>
+        <p:nvSpPr>
+          <p:cNvPr id="2" name="Title 1"/>
+          <p:cNvSpPr>
+            <a:spLocks noGrp="1"/>
+          </p:cNvSpPr>
+          <p:nvPr>
+            <p:ph type="title"/>
+          </p:nvPr>
+        </p:nvSpPr>
+        <p:spPr/>
+        <p:txBody>
+          <a:bodyPr/>
+          <a:lstStyle/>
+          <a:p>
+            <a:r>
+              <a:rPr lang="en-GB" dirty="0" smtClean="0"/>
+              <a:t>Watching a film (the easy way)</a:t>
+            </a:r>
+            <a:endParaRPr lang="en-GB" dirty="0"/>
+          </a:p>
+        </p:txBody>
+      </p:sp>
+      <p:sp>
+        <p:nvSpPr>
+          <p:cNvPr id="4" name="Rectangle 3"/>
+          <p:cNvSpPr/>
+          <p:nvPr/>
+        </p:nvSpPr>
+        <p:spPr>
+          <a:xfrm>
+            <a:off x="838200" y="2035912"/>
+            <a:ext cx="10515600" cy="1200329"/>
+          </a:xfrm>
+          <a:prstGeom prst="rect">
+            <a:avLst/>
+          </a:prstGeom>
+        </p:spPr>
+        <p:txBody>
+          <a:bodyPr wrap="square">
+            <a:spAutoFit/>
+          </a:bodyPr>
+          <a:lstStyle/>
+          <a:p>
+            <a:r>
+              <a:rPr lang="en-US" dirty="0">
+                <a:solidFill>
+                  <a:srgbClr val="000000"/>
+                </a:solidFill>
+                <a:highlight>
+                  <a:srgbClr val="FFFFFF"/>
+                </a:highlight>
+                <a:latin typeface="Consolas" panose="020B0609020204030204" pitchFamily="49" charset="0"/>
+              </a:rPr>
+              <a:t> </a:t>
+            </a:r>
+            <a:r>
+              <a:rPr lang="en-US" dirty="0" err="1">
+                <a:solidFill>
+                  <a:srgbClr val="2B91AF"/>
+                </a:solidFill>
+                <a:highlight>
+                  <a:srgbClr val="FFFFFF"/>
+                </a:highlight>
+                <a:latin typeface="Consolas" panose="020B0609020204030204" pitchFamily="49" charset="0"/>
+              </a:rPr>
+              <a:t>HomeTheaterFacade</a:t>
+            </a:r>
+            <a:r>
+              <a:rPr lang="en-US" dirty="0">
+                <a:solidFill>
+                  <a:srgbClr val="000000"/>
+                </a:solidFill>
+                <a:highlight>
+                  <a:srgbClr val="FFFFFF"/>
+                </a:highlight>
+                <a:latin typeface="Consolas" panose="020B0609020204030204" pitchFamily="49" charset="0"/>
+              </a:rPr>
+              <a:t> theater(&amp;amp, &amp;tuner, &amp;</a:t>
+            </a:r>
+            <a:r>
+              <a:rPr lang="en-US" dirty="0" err="1">
+                <a:solidFill>
+                  <a:srgbClr val="000000"/>
+                </a:solidFill>
+                <a:highlight>
+                  <a:srgbClr val="FFFFFF"/>
+                </a:highlight>
+                <a:latin typeface="Consolas" panose="020B0609020204030204" pitchFamily="49" charset="0"/>
+              </a:rPr>
+              <a:t>dvd</a:t>
+            </a:r>
+            <a:r>
+              <a:rPr lang="en-US" dirty="0">
+                <a:solidFill>
+                  <a:srgbClr val="000000"/>
+                </a:solidFill>
+                <a:highlight>
+                  <a:srgbClr val="FFFFFF"/>
+                </a:highlight>
+                <a:latin typeface="Consolas" panose="020B0609020204030204" pitchFamily="49" charset="0"/>
+              </a:rPr>
+              <a:t>, &amp;cd</a:t>
+            </a:r>
+            <a:r>
+              <a:rPr lang="en-US" dirty="0" smtClean="0">
+                <a:solidFill>
+                  <a:srgbClr val="000000"/>
+                </a:solidFill>
+                <a:highlight>
+                  <a:srgbClr val="FFFFFF"/>
+                </a:highlight>
+                <a:latin typeface="Consolas" panose="020B0609020204030204" pitchFamily="49" charset="0"/>
+              </a:rPr>
+              <a:t>, &amp;</a:t>
+            </a:r>
+            <a:r>
+              <a:rPr lang="en-US" dirty="0">
+                <a:solidFill>
+                  <a:srgbClr val="000000"/>
+                </a:solidFill>
+                <a:highlight>
+                  <a:srgbClr val="FFFFFF"/>
+                </a:highlight>
+                <a:latin typeface="Consolas" panose="020B0609020204030204" pitchFamily="49" charset="0"/>
+              </a:rPr>
+              <a:t>projector</a:t>
+            </a:r>
+            <a:r>
+              <a:rPr lang="en-US" dirty="0" smtClean="0">
+                <a:solidFill>
+                  <a:srgbClr val="000000"/>
+                </a:solidFill>
+                <a:highlight>
+                  <a:srgbClr val="FFFFFF"/>
+                </a:highlight>
+                <a:latin typeface="Consolas" panose="020B0609020204030204" pitchFamily="49" charset="0"/>
+              </a:rPr>
+              <a:t>,</a:t>
+            </a:r>
+          </a:p>
+          <a:p>
+            <a:r>
+              <a:rPr lang="en-US" dirty="0" smtClean="0">
+                <a:solidFill>
+                  <a:srgbClr val="000000"/>
+                </a:solidFill>
+                <a:highlight>
+                  <a:srgbClr val="FFFFFF"/>
+                </a:highlight>
+                <a:latin typeface="Consolas" panose="020B0609020204030204" pitchFamily="49" charset="0"/>
+              </a:rPr>
+              <a:t>    &amp;</a:t>
+            </a:r>
+            <a:r>
+              <a:rPr lang="en-US" dirty="0">
+                <a:solidFill>
+                  <a:srgbClr val="000000"/>
+                </a:solidFill>
+                <a:highlight>
+                  <a:srgbClr val="FFFFFF"/>
+                </a:highlight>
+                <a:latin typeface="Consolas" panose="020B0609020204030204" pitchFamily="49" charset="0"/>
+              </a:rPr>
+              <a:t>lights, &amp;screen, &amp;popper);</a:t>
+            </a:r>
+          </a:p>
+          <a:p>
+            <a:r>
+              <a:rPr lang="en-US" dirty="0">
+                <a:solidFill>
+                  <a:srgbClr val="000000"/>
+                </a:solidFill>
+                <a:highlight>
+                  <a:srgbClr val="FFFFFF"/>
+                </a:highlight>
+                <a:latin typeface="Consolas" panose="020B0609020204030204" pitchFamily="49" charset="0"/>
+              </a:rPr>
+              <a:t> </a:t>
+            </a:r>
+            <a:r>
+              <a:rPr lang="en-US" dirty="0" err="1" smtClean="0">
+                <a:solidFill>
+                  <a:srgbClr val="000000"/>
+                </a:solidFill>
+                <a:highlight>
+                  <a:srgbClr val="FFFFFF"/>
+                </a:highlight>
+                <a:latin typeface="Consolas" panose="020B0609020204030204" pitchFamily="49" charset="0"/>
+              </a:rPr>
+              <a:t>theater.watchMovie</a:t>
+            </a:r>
+            <a:r>
+              <a:rPr lang="en-US" dirty="0">
+                <a:solidFill>
+                  <a:srgbClr val="000000"/>
+                </a:solidFill>
+                <a:highlight>
+                  <a:srgbClr val="FFFFFF"/>
+                </a:highlight>
+                <a:latin typeface="Consolas" panose="020B0609020204030204" pitchFamily="49" charset="0"/>
+              </a:rPr>
+              <a:t>(</a:t>
+            </a:r>
+            <a:r>
+              <a:rPr lang="en-US" dirty="0">
+                <a:solidFill>
+                  <a:srgbClr val="A31515"/>
+                </a:solidFill>
+                <a:highlight>
+                  <a:srgbClr val="FFFFFF"/>
+                </a:highlight>
+                <a:latin typeface="Consolas" panose="020B0609020204030204" pitchFamily="49" charset="0"/>
+              </a:rPr>
+              <a:t>"Raiders of the Lost Ark"</a:t>
+            </a:r>
+            <a:r>
+              <a:rPr lang="en-US" dirty="0">
+                <a:solidFill>
+                  <a:srgbClr val="000000"/>
+                </a:solidFill>
+                <a:highlight>
+                  <a:srgbClr val="FFFFFF"/>
+                </a:highlight>
+                <a:latin typeface="Consolas" panose="020B0609020204030204" pitchFamily="49" charset="0"/>
+              </a:rPr>
+              <a:t>);</a:t>
+            </a:r>
+          </a:p>
+          <a:p>
+            <a:r>
+              <a:rPr lang="en-GB" dirty="0">
+                <a:solidFill>
+                  <a:srgbClr val="000000"/>
+                </a:solidFill>
+                <a:highlight>
+                  <a:srgbClr val="FFFFFF"/>
+                </a:highlight>
+                <a:latin typeface="Consolas" panose="020B0609020204030204" pitchFamily="49" charset="0"/>
+              </a:rPr>
+              <a:t> </a:t>
+            </a:r>
+            <a:r>
+              <a:rPr lang="en-GB" dirty="0" err="1" smtClean="0">
+                <a:solidFill>
+                  <a:srgbClr val="000000"/>
+                </a:solidFill>
+                <a:highlight>
+                  <a:srgbClr val="FFFFFF"/>
+                </a:highlight>
+                <a:latin typeface="Consolas" panose="020B0609020204030204" pitchFamily="49" charset="0"/>
+              </a:rPr>
+              <a:t>theater.endMovie</a:t>
+            </a:r>
+            <a:r>
+              <a:rPr lang="en-GB" dirty="0" smtClean="0">
+                <a:solidFill>
+                  <a:srgbClr val="000000"/>
+                </a:solidFill>
+                <a:highlight>
+                  <a:srgbClr val="FFFFFF"/>
+                </a:highlight>
+                <a:latin typeface="Consolas" panose="020B0609020204030204" pitchFamily="49" charset="0"/>
+              </a:rPr>
+              <a:t>();</a:t>
+            </a:r>
+            <a:endParaRPr lang="en-GB" dirty="0"/>
+          </a:p>
+        </p:txBody>
+      </p:sp>
+    </p:spTree>
+    <p:extLst>
+      <p:ext uri="{BB962C8B-B14F-4D97-AF65-F5344CB8AC3E}">
+        <p14:creationId xmlns:p14="http://schemas.microsoft.com/office/powerpoint/2010/main" val="405629357"/>
+      </p:ext>
+    </p:extLst>
+  </p:cSld>
+  <p:clrMapOvr>
+    <a:masterClrMapping/>
+  </p:clrMapOvr>
+</p:sld>
+</file>
+
+<file path=ppt/slides/slide6.xml><?xml version="1.0" encoding="utf-8"?>
+<p:sld xmlns:a="http://schemas.openxmlformats.org/drawingml/2006/main" xmlns:r="http://schemas.openxmlformats.org/officeDocument/2006/relationships" xmlns:p="http://schemas.openxmlformats.org/presentationml/2006/main">
+  <p:cSld>
+    <p:spTree>
+      <p:nvGrpSpPr>
+        <p:cNvPr id="1" name=""/>
+        <p:cNvGrpSpPr/>
+        <p:nvPr/>
+      </p:nvGrpSpPr>
+      <p:grpSpPr>
+        <a:xfrm>
+          <a:off x="0" y="0"/>
+          <a:ext cx="0" cy="0"/>
+          <a:chOff x="0" y="0"/>
+          <a:chExt cx="0" cy="0"/>
+        </a:xfrm>
+      </p:grpSpPr>
+      <p:sp>
+        <p:nvSpPr>
+          <p:cNvPr id="2" name="Title 1"/>
+          <p:cNvSpPr>
+            <a:spLocks noGrp="1"/>
+          </p:cNvSpPr>
+          <p:nvPr>
+            <p:ph type="title"/>
+          </p:nvPr>
+        </p:nvSpPr>
+        <p:spPr/>
+        <p:txBody>
+          <a:bodyPr/>
+          <a:lstStyle/>
+          <a:p>
+            <a:r>
+              <a:rPr lang="en-GB" dirty="0" smtClean="0"/>
+              <a:t>Code</a:t>
+            </a:r>
+            <a:endParaRPr lang="en-GB" dirty="0"/>
+          </a:p>
+        </p:txBody>
+      </p:sp>
+    </p:spTree>
+    <p:extLst>
+      <p:ext uri="{BB962C8B-B14F-4D97-AF65-F5344CB8AC3E}">
+        <p14:creationId xmlns:p14="http://schemas.microsoft.com/office/powerpoint/2010/main" val="4092480879"/>
+      </p:ext>
+    </p:extLst>
+  </p:cSld>
+  <p:clrMapOvr>
+    <a:masterClrMapping/>
+  </p:clrMapOvr>
+</p:sld>
+</file>
+
+<file path=ppt/slides/slide7.xml><?xml version="1.0" encoding="utf-8"?>
+<p:sld xmlns:a="http://schemas.openxmlformats.org/drawingml/2006/main" xmlns:r="http://schemas.openxmlformats.org/officeDocument/2006/relationships" xmlns:p="http://schemas.openxmlformats.org/presentationml/2006/main">
+  <p:cSld>
+    <p:spTree>
+      <p:nvGrpSpPr>
+        <p:cNvPr id="1" name=""/>
+        <p:cNvGrpSpPr/>
+        <p:nvPr/>
+      </p:nvGrpSpPr>
+      <p:grpSpPr>
+        <a:xfrm>
+          <a:off x="0" y="0"/>
+          <a:ext cx="0" cy="0"/>
+          <a:chOff x="0" y="0"/>
+          <a:chExt cx="0" cy="0"/>
+        </a:xfrm>
+      </p:grpSpPr>
+      <p:sp>
+        <p:nvSpPr>
+          <p:cNvPr id="2" name="Title 1"/>
+          <p:cNvSpPr>
+            <a:spLocks noGrp="1"/>
+          </p:cNvSpPr>
+          <p:nvPr>
+            <p:ph type="title"/>
+          </p:nvPr>
+        </p:nvSpPr>
+        <p:spPr/>
+        <p:txBody>
+          <a:bodyPr/>
+          <a:lstStyle/>
+          <a:p>
+            <a:r>
+              <a:rPr lang="en-GB" dirty="0" smtClean="0"/>
+              <a:t>Facade definition</a:t>
+            </a:r>
+            <a:endParaRPr lang="en-GB" dirty="0"/>
+          </a:p>
+        </p:txBody>
+      </p:sp>
+      <p:sp>
+        <p:nvSpPr>
+          <p:cNvPr id="3" name="Content Placeholder 2"/>
+          <p:cNvSpPr>
+            <a:spLocks noGrp="1"/>
+          </p:cNvSpPr>
+          <p:nvPr>
+            <p:ph idx="1"/>
+          </p:nvPr>
+        </p:nvSpPr>
+        <p:spPr>
+          <a:xfrm>
+            <a:off x="838200" y="3327961"/>
+            <a:ext cx="5170714" cy="2849002"/>
+          </a:xfrm>
+        </p:spPr>
+        <p:txBody>
+          <a:bodyPr>
+            <a:normAutofit fontScale="92500"/>
+          </a:bodyPr>
+          <a:lstStyle/>
+          <a:p>
+            <a:r>
+              <a:rPr lang="en-GB" dirty="0" smtClean="0"/>
+              <a:t>Provide a simple interface.</a:t>
+            </a:r>
+          </a:p>
+          <a:p>
+            <a:r>
+              <a:rPr lang="en-GB" dirty="0" smtClean="0"/>
+              <a:t>Decouple subsystems from clients.</a:t>
+            </a:r>
+          </a:p>
+          <a:p>
+            <a:r>
+              <a:rPr lang="en-GB" dirty="0" smtClean="0"/>
+              <a:t>Clients still have access to subsystem classes if they wish.</a:t>
+            </a:r>
+          </a:p>
+          <a:p>
+            <a:r>
+              <a:rPr lang="en-GB" dirty="0" smtClean="0"/>
+              <a:t>Entry point to each subsystem layer in a layered system.</a:t>
+            </a:r>
+          </a:p>
+          <a:p>
+            <a:endParaRPr lang="en-GB" dirty="0"/>
+          </a:p>
+        </p:txBody>
+      </p:sp>
+      <p:pic>
+        <p:nvPicPr>
+          <p:cNvPr id="7" name="Picture 6"/>
+          <p:cNvPicPr>
+            <a:picLocks noChangeAspect="1"/>
+          </p:cNvPicPr>
+          <p:nvPr/>
+        </p:nvPicPr>
+        <p:blipFill>
+          <a:blip r:embed="rId2">
+            <a:extLst>
+              <a:ext uri="{28A0092B-C50C-407E-A947-70E740481C1C}">
+                <a14:useLocalDpi xmlns:a14="http://schemas.microsoft.com/office/drawing/2010/main" val="0"/>
+              </a:ext>
+            </a:extLst>
+          </a:blip>
+          <a:stretch>
+            <a:fillRect/>
+          </a:stretch>
+        </p:blipFill>
+        <p:spPr>
+          <a:xfrm>
+            <a:off x="6647793" y="3327961"/>
+            <a:ext cx="4706007" cy="2667372"/>
+          </a:xfrm>
+          <a:prstGeom prst="rect">
+            <a:avLst/>
+          </a:prstGeom>
+        </p:spPr>
+      </p:pic>
+      <p:sp>
+        <p:nvSpPr>
+          <p:cNvPr id="12" name="TextBox 11"/>
+          <p:cNvSpPr txBox="1"/>
+          <p:nvPr/>
+        </p:nvSpPr>
+        <p:spPr>
+          <a:xfrm>
+            <a:off x="1828801" y="1760829"/>
+            <a:ext cx="7682753" cy="1200329"/>
+          </a:xfrm>
+          <a:prstGeom prst="rect">
+            <a:avLst/>
+          </a:prstGeom>
+          <a:noFill/>
+          <a:ln w="19050">
+            <a:solidFill>
+              <a:schemeClr val="tx1"/>
+            </a:solidFill>
+          </a:ln>
+        </p:spPr>
+        <p:txBody>
+          <a:bodyPr wrap="square" rtlCol="0">
+            <a:spAutoFit/>
+          </a:bodyPr>
+          <a:lstStyle/>
+          <a:p>
+            <a:r>
+              <a:rPr lang="en-US" sz="2400" i="1" dirty="0"/>
+              <a:t>Provides a unified interface to </a:t>
+            </a:r>
+            <a:r>
+              <a:rPr lang="en-US" sz="2400" i="1" dirty="0" smtClean="0"/>
+              <a:t>a set </a:t>
+            </a:r>
+            <a:r>
+              <a:rPr lang="en-US" sz="2400" i="1" dirty="0"/>
+              <a:t>of interfaces in a subsystem. </a:t>
+            </a:r>
+            <a:r>
+              <a:rPr lang="en-US" sz="2400" i="1" dirty="0" smtClean="0"/>
+              <a:t>Facade </a:t>
+            </a:r>
+            <a:r>
+              <a:rPr lang="en-US" sz="2400" i="1" dirty="0"/>
+              <a:t>defines a higher-level interface that makes the subsystem easier to use.</a:t>
+            </a:r>
+          </a:p>
+        </p:txBody>
+      </p:sp>
+    </p:spTree>
+    <p:extLst>
+      <p:ext uri="{BB962C8B-B14F-4D97-AF65-F5344CB8AC3E}">
+        <p14:creationId xmlns:p14="http://schemas.microsoft.com/office/powerpoint/2010/main" val="3075292526"/>
+      </p:ext>
+    </p:extLst>
+  </p:cSld>
+  <p:clrMapOvr>
+    <a:masterClrMapping/>
+  </p:clrMapOvr>
+</p:sld>
+</file>
+
+<file path=ppt/slides/slide8.xml><?xml version="1.0" encoding="utf-8"?>
+<p:sld xmlns:a="http://schemas.openxmlformats.org/drawingml/2006/main" xmlns:r="http://schemas.openxmlformats.org/officeDocument/2006/relationships" xmlns:p="http://schemas.openxmlformats.org/presentationml/2006/main">
+  <p:cSld>
+    <p:spTree>
+      <p:nvGrpSpPr>
+        <p:cNvPr id="1" name=""/>
+        <p:cNvGrpSpPr/>
+        <p:nvPr/>
+      </p:nvGrpSpPr>
+      <p:grpSpPr>
+        <a:xfrm>
+          <a:off x="0" y="0"/>
+          <a:ext cx="0" cy="0"/>
+          <a:chOff x="0" y="0"/>
+          <a:chExt cx="0" cy="0"/>
+        </a:xfrm>
+      </p:grpSpPr>
+      <p:sp>
+        <p:nvSpPr>
+          <p:cNvPr id="2" name="Title 1"/>
+          <p:cNvSpPr>
+            <a:spLocks noGrp="1"/>
+          </p:cNvSpPr>
+          <p:nvPr>
+            <p:ph type="title"/>
+          </p:nvPr>
+        </p:nvSpPr>
+        <p:spPr/>
+        <p:txBody>
+          <a:bodyPr/>
+          <a:lstStyle/>
+          <a:p>
+            <a:r>
+              <a:rPr lang="en-GB" dirty="0" smtClean="0"/>
+              <a:t>Notes for implementation</a:t>
+            </a:r>
+            <a:endParaRPr lang="en-GB" dirty="0"/>
+          </a:p>
+        </p:txBody>
+      </p:sp>
+      <p:sp>
+        <p:nvSpPr>
+          <p:cNvPr id="3" name="Content Placeholder 2"/>
+          <p:cNvSpPr>
+            <a:spLocks noGrp="1"/>
+          </p:cNvSpPr>
+          <p:nvPr>
+            <p:ph idx="1"/>
+          </p:nvPr>
+        </p:nvSpPr>
+        <p:spPr/>
+        <p:txBody>
+          <a:bodyPr/>
+          <a:lstStyle/>
+          <a:p>
+            <a:r>
+              <a:rPr lang="en-GB" dirty="0" smtClean="0"/>
+              <a:t>Façade does not own the subsystem classes.</a:t>
+            </a:r>
+          </a:p>
+          <a:p>
+            <a:r>
+              <a:rPr lang="en-GB" dirty="0" smtClean="0"/>
+              <a:t>Façade could be made an abstract class with concrete subclasses for implementations of the subsystem.</a:t>
+            </a:r>
+          </a:p>
+          <a:p>
+            <a:r>
+              <a:rPr lang="en-GB" dirty="0" smtClean="0"/>
+              <a:t>Choose which subsystem classes are private and which are public.</a:t>
+            </a:r>
+          </a:p>
+        </p:txBody>
+      </p:sp>
+    </p:spTree>
+    <p:extLst>
+      <p:ext uri="{BB962C8B-B14F-4D97-AF65-F5344CB8AC3E}">
+        <p14:creationId xmlns:p14="http://schemas.microsoft.com/office/powerpoint/2010/main" val="1809599577"/>
+      </p:ext>
+    </p:extLst>
+  </p:cSld>
+  <p:clrMapOvr>
+    <a:masterClrMapping/>
+  </p:clrMapOvr>
+</p:sld>
+</file>
+
+<file path=ppt/slides/slide9.xml><?xml version="1.0" encoding="utf-8"?>
+<p:sld xmlns:a="http://schemas.openxmlformats.org/drawingml/2006/main" xmlns:r="http://schemas.openxmlformats.org/officeDocument/2006/relationships" xmlns:p="http://schemas.openxmlformats.org/presentationml/2006/main">
+  <p:cSld>
+    <p:spTree>
+      <p:nvGrpSpPr>
+        <p:cNvPr id="1" name=""/>
+        <p:cNvGrpSpPr/>
+        <p:nvPr/>
+      </p:nvGrpSpPr>
+      <p:grpSpPr>
+        <a:xfrm>
+          <a:off x="0" y="0"/>
+          <a:ext cx="0" cy="0"/>
+          <a:chOff x="0" y="0"/>
+          <a:chExt cx="0" cy="0"/>
+        </a:xfrm>
+      </p:grpSpPr>
+      <p:sp>
+        <p:nvSpPr>
+          <p:cNvPr id="2" name="Title 1"/>
+          <p:cNvSpPr>
+            <a:spLocks noGrp="1"/>
+          </p:cNvSpPr>
+          <p:nvPr>
+            <p:ph type="title"/>
+          </p:nvPr>
+        </p:nvSpPr>
+        <p:spPr/>
+        <p:txBody>
+          <a:bodyPr/>
+          <a:lstStyle/>
+          <a:p>
+            <a:r>
+              <a:rPr lang="en-GB" dirty="0" smtClean="0"/>
+              <a:t>End</a:t>
+            </a:r>
+            <a:endParaRPr lang="en-GB" dirty="0"/>
+          </a:p>
+        </p:txBody>
+      </p:sp>
+    </p:spTree>
+    <p:extLst>
+      <p:ext uri="{BB962C8B-B14F-4D97-AF65-F5344CB8AC3E}">
+        <p14:creationId xmlns:p14="http://schemas.microsoft.com/office/powerpoint/2010/main" val="3643400168"/>
       </p:ext>
     </p:extLst>
   </p:cSld>

--- a/Patterns/docs/Facade.pptx
+++ b/Patterns/docs/Facade.pptx
@@ -205,7 +205,7 @@
           <a:p>
             <a:fld id="{F02D2E7B-B52B-4979-82AE-E357F04E96F9}" type="datetimeFigureOut">
               <a:rPr lang="en-GB" smtClean="0"/>
-              <a:t>22/09/2014</a:t>
+              <a:t>24/09/2014</a:t>
             </a:fld>
             <a:endParaRPr lang="en-GB" dirty="0"/>
           </a:p>
@@ -786,7 +786,7 @@
           <a:p>
             <a:fld id="{56C65E69-9EFD-4E18-8D5F-41A51FB61A29}" type="datetimeFigureOut">
               <a:rPr lang="en-GB" smtClean="0"/>
-              <a:t>22/09/2014</a:t>
+              <a:t>24/09/2014</a:t>
             </a:fld>
             <a:endParaRPr lang="en-GB" dirty="0"/>
           </a:p>
@@ -956,7 +956,7 @@
           <a:p>
             <a:fld id="{56C65E69-9EFD-4E18-8D5F-41A51FB61A29}" type="datetimeFigureOut">
               <a:rPr lang="en-GB" smtClean="0"/>
-              <a:t>22/09/2014</a:t>
+              <a:t>24/09/2014</a:t>
             </a:fld>
             <a:endParaRPr lang="en-GB" dirty="0"/>
           </a:p>
@@ -1136,7 +1136,7 @@
           <a:p>
             <a:fld id="{56C65E69-9EFD-4E18-8D5F-41A51FB61A29}" type="datetimeFigureOut">
               <a:rPr lang="en-GB" smtClean="0"/>
-              <a:t>22/09/2014</a:t>
+              <a:t>24/09/2014</a:t>
             </a:fld>
             <a:endParaRPr lang="en-GB" dirty="0"/>
           </a:p>
@@ -1306,7 +1306,7 @@
           <a:p>
             <a:fld id="{56C65E69-9EFD-4E18-8D5F-41A51FB61A29}" type="datetimeFigureOut">
               <a:rPr lang="en-GB" smtClean="0"/>
-              <a:t>22/09/2014</a:t>
+              <a:t>24/09/2014</a:t>
             </a:fld>
             <a:endParaRPr lang="en-GB" dirty="0"/>
           </a:p>
@@ -1552,7 +1552,7 @@
           <a:p>
             <a:fld id="{56C65E69-9EFD-4E18-8D5F-41A51FB61A29}" type="datetimeFigureOut">
               <a:rPr lang="en-GB" smtClean="0"/>
-              <a:t>22/09/2014</a:t>
+              <a:t>24/09/2014</a:t>
             </a:fld>
             <a:endParaRPr lang="en-GB" dirty="0"/>
           </a:p>
@@ -1784,7 +1784,7 @@
           <a:p>
             <a:fld id="{56C65E69-9EFD-4E18-8D5F-41A51FB61A29}" type="datetimeFigureOut">
               <a:rPr lang="en-GB" smtClean="0"/>
-              <a:t>22/09/2014</a:t>
+              <a:t>24/09/2014</a:t>
             </a:fld>
             <a:endParaRPr lang="en-GB" dirty="0"/>
           </a:p>
@@ -2151,7 +2151,7 @@
           <a:p>
             <a:fld id="{56C65E69-9EFD-4E18-8D5F-41A51FB61A29}" type="datetimeFigureOut">
               <a:rPr lang="en-GB" smtClean="0"/>
-              <a:t>22/09/2014</a:t>
+              <a:t>24/09/2014</a:t>
             </a:fld>
             <a:endParaRPr lang="en-GB" dirty="0"/>
           </a:p>
@@ -2269,7 +2269,7 @@
           <a:p>
             <a:fld id="{56C65E69-9EFD-4E18-8D5F-41A51FB61A29}" type="datetimeFigureOut">
               <a:rPr lang="en-GB" smtClean="0"/>
-              <a:t>22/09/2014</a:t>
+              <a:t>24/09/2014</a:t>
             </a:fld>
             <a:endParaRPr lang="en-GB" dirty="0"/>
           </a:p>
@@ -2364,7 +2364,7 @@
           <a:p>
             <a:fld id="{56C65E69-9EFD-4E18-8D5F-41A51FB61A29}" type="datetimeFigureOut">
               <a:rPr lang="en-GB" smtClean="0"/>
-              <a:t>22/09/2014</a:t>
+              <a:t>24/09/2014</a:t>
             </a:fld>
             <a:endParaRPr lang="en-GB" dirty="0"/>
           </a:p>
@@ -2641,7 +2641,7 @@
           <a:p>
             <a:fld id="{56C65E69-9EFD-4E18-8D5F-41A51FB61A29}" type="datetimeFigureOut">
               <a:rPr lang="en-GB" smtClean="0"/>
-              <a:t>22/09/2014</a:t>
+              <a:t>24/09/2014</a:t>
             </a:fld>
             <a:endParaRPr lang="en-GB" dirty="0"/>
           </a:p>
@@ -2894,7 +2894,7 @@
           <a:p>
             <a:fld id="{56C65E69-9EFD-4E18-8D5F-41A51FB61A29}" type="datetimeFigureOut">
               <a:rPr lang="en-GB" smtClean="0"/>
-              <a:t>22/09/2014</a:t>
+              <a:t>24/09/2014</a:t>
             </a:fld>
             <a:endParaRPr lang="en-GB" dirty="0"/>
           </a:p>
@@ -3107,7 +3107,7 @@
           <a:p>
             <a:fld id="{56C65E69-9EFD-4E18-8D5F-41A51FB61A29}" type="datetimeFigureOut">
               <a:rPr lang="en-GB" smtClean="0"/>
-              <a:t>22/09/2014</a:t>
+              <a:t>24/09/2014</a:t>
             </a:fld>
             <a:endParaRPr lang="en-GB" dirty="0"/>
           </a:p>
@@ -3610,6 +3610,13 @@
   <p:clrMapOvr>
     <a:masterClrMapping/>
   </p:clrMapOvr>
+  <p:timing>
+    <p:tnLst>
+      <p:par>
+        <p:cTn id="1" dur="indefinite" restart="never" nodeType="tmRoot"/>
+      </p:par>
+    </p:tnLst>
+  </p:timing>
 </p:sld>
 </file>
 
@@ -3693,6 +3700,13 @@
   <p:clrMapOvr>
     <a:masterClrMapping/>
   </p:clrMapOvr>
+  <p:timing>
+    <p:tnLst>
+      <p:par>
+        <p:cTn id="1" dur="indefinite" restart="never" nodeType="tmRoot"/>
+      </p:par>
+    </p:tnLst>
+  </p:timing>
 </p:sld>
 </file>
 
@@ -3730,7 +3744,19 @@
           <a:p>
             <a:r>
               <a:rPr lang="en-GB" dirty="0" smtClean="0"/>
-              <a:t>Watching a film (the hard way)</a:t>
+              <a:t>Watching a </a:t>
+            </a:r>
+            <a:r>
+              <a:rPr lang="en-GB" dirty="0" smtClean="0"/>
+              <a:t>movie</a:t>
+            </a:r>
+            <a:r>
+              <a:rPr lang="en-GB" dirty="0" smtClean="0"/>
+              <a:t> </a:t>
+            </a:r>
+            <a:r>
+              <a:rPr lang="en-GB" dirty="0" smtClean="0"/>
+              <a:t>(the hard way)</a:t>
             </a:r>
             <a:endParaRPr lang="en-GB" dirty="0"/>
           </a:p>
@@ -4316,6 +4342,13 @@
   <p:clrMapOvr>
     <a:masterClrMapping/>
   </p:clrMapOvr>
+  <p:timing>
+    <p:tnLst>
+      <p:par>
+        <p:cTn id="1" dur="indefinite" restart="never" nodeType="tmRoot"/>
+      </p:par>
+    </p:tnLst>
+  </p:timing>
 </p:sld>
 </file>
 
@@ -4399,6 +4432,13 @@
   <p:clrMapOvr>
     <a:masterClrMapping/>
   </p:clrMapOvr>
+  <p:timing>
+    <p:tnLst>
+      <p:par>
+        <p:cTn id="1" dur="indefinite" restart="never" nodeType="tmRoot"/>
+      </p:par>
+    </p:tnLst>
+  </p:timing>
 </p:sld>
 </file>
 
@@ -4436,7 +4476,19 @@
           <a:p>
             <a:r>
               <a:rPr lang="en-GB" dirty="0" smtClean="0"/>
-              <a:t>Watching a film (the easy way)</a:t>
+              <a:t>Watching </a:t>
+            </a:r>
+            <a:r>
+              <a:rPr lang="en-GB" smtClean="0"/>
+              <a:t>a </a:t>
+            </a:r>
+            <a:r>
+              <a:rPr lang="en-GB" smtClean="0"/>
+              <a:t>movie(the </a:t>
+            </a:r>
+            <a:r>
+              <a:rPr lang="en-GB" dirty="0" smtClean="0"/>
+              <a:t>easy way)</a:t>
             </a:r>
             <a:endParaRPr lang="en-GB" dirty="0"/>
           </a:p>
@@ -4699,6 +4751,13 @@
   <p:clrMapOvr>
     <a:masterClrMapping/>
   </p:clrMapOvr>
+  <p:timing>
+    <p:tnLst>
+      <p:par>
+        <p:cTn id="1" dur="indefinite" restart="never" nodeType="tmRoot"/>
+      </p:par>
+    </p:tnLst>
+  </p:timing>
 </p:sld>
 </file>
 
@@ -4995,29 +5054,13 @@
           <a:p>
             <a:r>
               <a:rPr lang="en-GB" dirty="0" smtClean="0"/>
-              <a:t>Facade </a:t>
-            </a:r>
+              <a:t>Facade does not own or “encapsulate” the subsystem classes.</a:t>
+            </a:r>
+          </a:p>
+          <a:p>
             <a:r>
               <a:rPr lang="en-GB" dirty="0" smtClean="0"/>
-              <a:t>does not own </a:t>
-            </a:r>
-            <a:r>
-              <a:rPr lang="en-GB" dirty="0" smtClean="0"/>
-              <a:t>or “encapsulate” the </a:t>
-            </a:r>
-            <a:r>
-              <a:rPr lang="en-GB" dirty="0" smtClean="0"/>
-              <a:t>subsystem classes.</a:t>
-            </a:r>
-          </a:p>
-          <a:p>
-            <a:r>
-              <a:rPr lang="en-GB" dirty="0" smtClean="0"/>
-              <a:t>Facade </a:t>
-            </a:r>
-            <a:r>
-              <a:rPr lang="en-GB" dirty="0" smtClean="0"/>
-              <a:t>could be made an abstract class with concrete subclasses for implementations of the subsystem.</a:t>
+              <a:t>Facade could be made an abstract class with concrete subclasses for implementations of the subsystem.</a:t>
             </a:r>
           </a:p>
           <a:p>
@@ -5081,10 +5124,50 @@
           </a:p>
         </p:txBody>
       </p:sp>
+      <p:sp>
+        <p:nvSpPr>
+          <p:cNvPr id="3" name="Content Placeholder 2"/>
+          <p:cNvSpPr>
+            <a:spLocks noGrp="1"/>
+          </p:cNvSpPr>
+          <p:nvPr>
+            <p:ph idx="1"/>
+          </p:nvPr>
+        </p:nvSpPr>
+        <p:spPr/>
+        <p:txBody>
+          <a:bodyPr/>
+          <a:lstStyle/>
+          <a:p>
+            <a:r>
+              <a:rPr lang="en-GB" sz="2400" dirty="0" smtClean="0">
+                <a:hlinkClick r:id="rId2"/>
+              </a:rPr>
+              <a:t>https</a:t>
+            </a:r>
+            <a:r>
+              <a:rPr lang="en-GB" sz="2400" dirty="0">
+                <a:hlinkClick r:id="rId2"/>
+              </a:rPr>
+              <a:t>://</a:t>
+            </a:r>
+            <a:r>
+              <a:rPr lang="en-GB" sz="2400" dirty="0" smtClean="0">
+                <a:hlinkClick r:id="rId2"/>
+              </a:rPr>
+              <a:t>github.com/crsdrw/patterns/tree/master/Patterns/PatternsLib/Facade</a:t>
+            </a:r>
+            <a:endParaRPr lang="en-GB" sz="2400" dirty="0" smtClean="0"/>
+          </a:p>
+          <a:p>
+            <a:endParaRPr lang="en-GB" dirty="0"/>
+          </a:p>
+        </p:txBody>
+      </p:sp>
     </p:spTree>
     <p:extLst>
       <p:ext uri="{BB962C8B-B14F-4D97-AF65-F5344CB8AC3E}">
-        <p14:creationId xmlns:p14="http://schemas.microsoft.com/office/powerpoint/2010/main" val="3643400168"/>
+        <p14:creationId xmlns:p14="http://schemas.microsoft.com/office/powerpoint/2010/main" val="3159188516"/>
       </p:ext>
     </p:extLst>
   </p:cSld>

--- a/Patterns/docs/Facade.pptx
+++ b/Patterns/docs/Facade.pptx
@@ -5,7 +5,7 @@
     <p:sldMasterId id="2147483648" r:id="rId1"/>
   </p:sldMasterIdLst>
   <p:notesMasterIdLst>
-    <p:notesMasterId r:id="rId11"/>
+    <p:notesMasterId r:id="rId12"/>
   </p:notesMasterIdLst>
   <p:sldIdLst>
     <p:sldId id="256" r:id="rId2"/>
@@ -16,7 +16,8 @@
     <p:sldId id="260" r:id="rId7"/>
     <p:sldId id="261" r:id="rId8"/>
     <p:sldId id="263" r:id="rId9"/>
-    <p:sldId id="264" r:id="rId10"/>
+    <p:sldId id="265" r:id="rId10"/>
+    <p:sldId id="264" r:id="rId11"/>
   </p:sldIdLst>
   <p:sldSz cx="12192000" cy="6858000"/>
   <p:notesSz cx="6858000" cy="9144000"/>
@@ -3620,6 +3621,99 @@
 </p:sld>
 </file>
 
+<file path=ppt/slides/slide10.xml><?xml version="1.0" encoding="utf-8"?>
+<p:sld xmlns:a="http://schemas.openxmlformats.org/drawingml/2006/main" xmlns:r="http://schemas.openxmlformats.org/officeDocument/2006/relationships" xmlns:p="http://schemas.openxmlformats.org/presentationml/2006/main">
+  <p:cSld>
+    <p:spTree>
+      <p:nvGrpSpPr>
+        <p:cNvPr id="1" name=""/>
+        <p:cNvGrpSpPr/>
+        <p:nvPr/>
+      </p:nvGrpSpPr>
+      <p:grpSpPr>
+        <a:xfrm>
+          <a:off x="0" y="0"/>
+          <a:ext cx="0" cy="0"/>
+          <a:chOff x="0" y="0"/>
+          <a:chExt cx="0" cy="0"/>
+        </a:xfrm>
+      </p:grpSpPr>
+      <p:sp>
+        <p:nvSpPr>
+          <p:cNvPr id="2" name="Title 1"/>
+          <p:cNvSpPr>
+            <a:spLocks noGrp="1"/>
+          </p:cNvSpPr>
+          <p:nvPr>
+            <p:ph type="title"/>
+          </p:nvPr>
+        </p:nvSpPr>
+        <p:spPr/>
+        <p:txBody>
+          <a:bodyPr/>
+          <a:lstStyle/>
+          <a:p>
+            <a:r>
+              <a:rPr lang="en-GB" dirty="0" smtClean="0"/>
+              <a:t>End</a:t>
+            </a:r>
+            <a:endParaRPr lang="en-GB" dirty="0"/>
+          </a:p>
+        </p:txBody>
+      </p:sp>
+      <p:sp>
+        <p:nvSpPr>
+          <p:cNvPr id="3" name="Content Placeholder 2"/>
+          <p:cNvSpPr>
+            <a:spLocks noGrp="1"/>
+          </p:cNvSpPr>
+          <p:nvPr>
+            <p:ph idx="1"/>
+          </p:nvPr>
+        </p:nvSpPr>
+        <p:spPr/>
+        <p:txBody>
+          <a:bodyPr/>
+          <a:lstStyle/>
+          <a:p>
+            <a:r>
+              <a:rPr lang="en-GB" sz="2400" dirty="0" smtClean="0">
+                <a:hlinkClick r:id="rId2"/>
+              </a:rPr>
+              <a:t>https</a:t>
+            </a:r>
+            <a:r>
+              <a:rPr lang="en-GB" sz="2400" dirty="0">
+                <a:hlinkClick r:id="rId2"/>
+              </a:rPr>
+              <a:t>://</a:t>
+            </a:r>
+            <a:r>
+              <a:rPr lang="en-GB" sz="2400" dirty="0" smtClean="0">
+                <a:hlinkClick r:id="rId2"/>
+              </a:rPr>
+              <a:t>github.com/crsdrw/patterns/tree/master/Patterns/PatternsLib/Facade</a:t>
+            </a:r>
+            <a:endParaRPr lang="en-GB" sz="2400" dirty="0" smtClean="0"/>
+          </a:p>
+          <a:p>
+            <a:endParaRPr lang="en-GB" dirty="0"/>
+          </a:p>
+        </p:txBody>
+      </p:sp>
+    </p:spTree>
+    <p:extLst>
+      <p:ext uri="{BB962C8B-B14F-4D97-AF65-F5344CB8AC3E}">
+        <p14:creationId xmlns:p14="http://schemas.microsoft.com/office/powerpoint/2010/main" val="3159188516"/>
+      </p:ext>
+    </p:extLst>
+  </p:cSld>
+  <p:clrMapOvr>
+    <a:masterClrMapping/>
+  </p:clrMapOvr>
+</p:sld>
+</file>
+
 <file path=ppt/slides/slide2.xml><?xml version="1.0" encoding="utf-8"?>
 <p:sld xmlns:a="http://schemas.openxmlformats.org/drawingml/2006/main" xmlns:r="http://schemas.openxmlformats.org/officeDocument/2006/relationships" xmlns:p="http://schemas.openxmlformats.org/presentationml/2006/main">
   <p:cSld>
@@ -4476,14 +4570,10 @@
           <a:p>
             <a:r>
               <a:rPr lang="en-GB" dirty="0" smtClean="0"/>
-              <a:t>Watching </a:t>
-            </a:r>
-            <a:r>
-              <a:rPr lang="en-GB" smtClean="0"/>
-              <a:t>a </a:t>
-            </a:r>
-            <a:r>
-              <a:rPr lang="en-GB" smtClean="0"/>
+              <a:t>Watching a </a:t>
+            </a:r>
+            <a:r>
+              <a:rPr lang="en-GB" dirty="0" smtClean="0"/>
               <a:t>movie(the </a:t>
             </a:r>
             <a:r>
@@ -5054,8 +5144,36 @@
           <a:p>
             <a:r>
               <a:rPr lang="en-GB" dirty="0" smtClean="0"/>
-              <a:t>Facade does not own or “encapsulate” the subsystem classes.</a:t>
-            </a:r>
+              <a:t>Facade does not </a:t>
+            </a:r>
+            <a:r>
+              <a:rPr lang="en-GB" dirty="0" smtClean="0"/>
+              <a:t>“encapsulate</a:t>
+            </a:r>
+            <a:r>
+              <a:rPr lang="en-GB" dirty="0" smtClean="0"/>
+              <a:t>” the subsystem </a:t>
+            </a:r>
+            <a:r>
+              <a:rPr lang="en-GB" dirty="0" smtClean="0"/>
+              <a:t>classes</a:t>
+            </a:r>
+            <a:r>
+              <a:rPr lang="en-GB" dirty="0"/>
+              <a:t> </a:t>
+            </a:r>
+            <a:r>
+              <a:rPr lang="en-GB" dirty="0" smtClean="0"/>
+              <a:t>and probably does not “own” them.</a:t>
+            </a:r>
+            <a:endParaRPr lang="en-GB" dirty="0" smtClean="0"/>
+          </a:p>
+          <a:p>
+            <a:r>
+              <a:rPr lang="en-GB" dirty="0" smtClean="0"/>
+              <a:t>Subsystem classes should have no dependency on Facade.</a:t>
+            </a:r>
+            <a:endParaRPr lang="en-GB" dirty="0" smtClean="0"/>
           </a:p>
           <a:p>
             <a:r>
@@ -5118,7 +5236,7 @@
           <a:p>
             <a:r>
               <a:rPr lang="en-GB" dirty="0" smtClean="0"/>
-              <a:t>End</a:t>
+              <a:t>Facade vs Adapter</a:t>
             </a:r>
             <a:endParaRPr lang="en-GB" dirty="0"/>
           </a:p>
@@ -5140,26 +5258,51 @@
           <a:lstStyle/>
           <a:p>
             <a:r>
-              <a:rPr lang="en-GB" sz="2400" dirty="0" smtClean="0">
-                <a:hlinkClick r:id="rId2"/>
-              </a:rPr>
-              <a:t>https</a:t>
-            </a:r>
-            <a:r>
-              <a:rPr lang="en-GB" sz="2400" dirty="0">
-                <a:hlinkClick r:id="rId2"/>
-              </a:rPr>
-              <a:t>://</a:t>
-            </a:r>
-            <a:r>
-              <a:rPr lang="en-GB" sz="2400" dirty="0" smtClean="0">
-                <a:hlinkClick r:id="rId2"/>
-              </a:rPr>
-              <a:t>github.com/crsdrw/patterns/tree/master/Patterns/PatternsLib/Facade</a:t>
-            </a:r>
-            <a:endParaRPr lang="en-GB" sz="2400" dirty="0" smtClean="0"/>
-          </a:p>
-          <a:p>
+              <a:rPr lang="en-GB" dirty="0" smtClean="0"/>
+              <a:t>Difference is in intent</a:t>
+            </a:r>
+          </a:p>
+          <a:p>
+            <a:r>
+              <a:rPr lang="en-GB" dirty="0" smtClean="0"/>
+              <a:t>Adapter </a:t>
+            </a:r>
+            <a:r>
+              <a:rPr lang="en-GB" b="1" dirty="0" smtClean="0"/>
+              <a:t>alters</a:t>
+            </a:r>
+            <a:r>
+              <a:rPr lang="en-GB" dirty="0" smtClean="0"/>
+              <a:t> the interface of one or more classes into one interface that a client is expecting</a:t>
+            </a:r>
+          </a:p>
+          <a:p>
+            <a:r>
+              <a:rPr lang="en-GB" dirty="0" smtClean="0"/>
+              <a:t>Facade provides a </a:t>
+            </a:r>
+            <a:r>
+              <a:rPr lang="en-GB" b="1" dirty="0" smtClean="0"/>
+              <a:t>simplified</a:t>
+            </a:r>
+            <a:r>
+              <a:rPr lang="en-GB" dirty="0" smtClean="0"/>
+              <a:t> interface to a complex subsystem.</a:t>
+            </a:r>
+          </a:p>
+          <a:p>
+            <a:r>
+              <a:rPr lang="en-GB" dirty="0" smtClean="0"/>
+              <a:t>Perhaps more reasonable for Adapter to “own” the </a:t>
+            </a:r>
+            <a:r>
+              <a:rPr lang="en-GB" dirty="0" err="1" smtClean="0"/>
+              <a:t>Adaptee</a:t>
+            </a:r>
+            <a:r>
+              <a:rPr lang="en-GB" dirty="0" smtClean="0"/>
+              <a:t>?</a:t>
+            </a:r>
             <a:endParaRPr lang="en-GB" dirty="0"/>
           </a:p>
         </p:txBody>
@@ -5167,7 +5310,7 @@
     </p:spTree>
     <p:extLst>
       <p:ext uri="{BB962C8B-B14F-4D97-AF65-F5344CB8AC3E}">
-        <p14:creationId xmlns:p14="http://schemas.microsoft.com/office/powerpoint/2010/main" val="3159188516"/>
+        <p14:creationId xmlns:p14="http://schemas.microsoft.com/office/powerpoint/2010/main" val="619390137"/>
       </p:ext>
     </p:extLst>
   </p:cSld>
